--- a/AI Final Project Part 1 Presentation.pptx
+++ b/AI Final Project Part 1 Presentation.pptx
@@ -19,6 +19,7 @@
     <p:sldId id="266" r:id="rId13"/>
     <p:sldId id="267" r:id="rId14"/>
     <p:sldId id="269" r:id="rId15"/>
+    <p:sldId id="270" r:id="rId16"/>
   </p:sldIdLst>
   <p:sldSz cx="12192000" cy="6858000"/>
   <p:notesSz cx="6858000" cy="9144000"/>
@@ -117,6 +118,11 @@
       </a:defRPr>
     </a:lvl9pPr>
   </p:defaultTextStyle>
+  <p:extLst>
+    <p:ext uri="{EFAFB233-063F-42B5-8137-9DF3F51BA10A}">
+      <p15:sldGuideLst xmlns:p15="http://schemas.microsoft.com/office/powerpoint/2012/main"/>
+    </p:ext>
+  </p:extLst>
 </p:presentation>
 </file>
 
@@ -291,7 +297,7 @@
           <a:p>
             <a:fld id="{4CDE23C7-78A4-413A-A84B-93D4CC0A9EB1}" type="datetimeFigureOut">
               <a:rPr lang="en-US" smtClean="0"/>
-              <a:t>3/26/2023</a:t>
+              <a:t>3/27/2023</a:t>
             </a:fld>
             <a:endParaRPr lang="en-US"/>
           </a:p>
@@ -604,7 +610,7 @@
             <a:fld id="{4CDE23C7-78A4-413A-A84B-93D4CC0A9EB1}" type="datetimeFigureOut">
               <a:rPr lang="en-US" smtClean="0"/>
               <a:pPr/>
-              <a:t>3/26/2023</a:t>
+              <a:t>3/27/2023</a:t>
             </a:fld>
             <a:endParaRPr lang="en-US" dirty="0"/>
           </a:p>
@@ -828,7 +834,7 @@
             <a:fld id="{4CDE23C7-78A4-413A-A84B-93D4CC0A9EB1}" type="datetimeFigureOut">
               <a:rPr lang="en-US" smtClean="0"/>
               <a:pPr/>
-              <a:t>3/26/2023</a:t>
+              <a:t>3/27/2023</a:t>
             </a:fld>
             <a:endParaRPr lang="en-US" dirty="0"/>
           </a:p>
@@ -1121,7 +1127,7 @@
             <a:fld id="{4CDE23C7-78A4-413A-A84B-93D4CC0A9EB1}" type="datetimeFigureOut">
               <a:rPr lang="en-US" smtClean="0"/>
               <a:pPr/>
-              <a:t>3/26/2023</a:t>
+              <a:t>3/27/2023</a:t>
             </a:fld>
             <a:endParaRPr lang="en-US" dirty="0"/>
           </a:p>
@@ -1577,7 +1583,7 @@
             <a:fld id="{4CDE23C7-78A4-413A-A84B-93D4CC0A9EB1}" type="datetimeFigureOut">
               <a:rPr lang="en-US" smtClean="0"/>
               <a:pPr/>
-              <a:t>3/26/2023</a:t>
+              <a:t>3/27/2023</a:t>
             </a:fld>
             <a:endParaRPr lang="en-US" dirty="0"/>
           </a:p>
@@ -2155,7 +2161,7 @@
             <a:fld id="{4CDE23C7-78A4-413A-A84B-93D4CC0A9EB1}" type="datetimeFigureOut">
               <a:rPr lang="en-US" smtClean="0"/>
               <a:pPr/>
-              <a:t>3/26/2023</a:t>
+              <a:t>3/27/2023</a:t>
             </a:fld>
             <a:endParaRPr lang="en-US" dirty="0"/>
           </a:p>
@@ -3009,7 +3015,7 @@
             <a:fld id="{4CDE23C7-78A4-413A-A84B-93D4CC0A9EB1}" type="datetimeFigureOut">
               <a:rPr lang="en-US" smtClean="0"/>
               <a:pPr/>
-              <a:t>3/26/2023</a:t>
+              <a:t>3/27/2023</a:t>
             </a:fld>
             <a:endParaRPr lang="en-US" dirty="0"/>
           </a:p>
@@ -3216,7 +3222,7 @@
             <a:fld id="{4CDE23C7-78A4-413A-A84B-93D4CC0A9EB1}" type="datetimeFigureOut">
               <a:rPr lang="en-US" smtClean="0"/>
               <a:pPr/>
-              <a:t>3/26/2023</a:t>
+              <a:t>3/27/2023</a:t>
             </a:fld>
             <a:endParaRPr lang="en-US" dirty="0"/>
           </a:p>
@@ -3432,7 +3438,7 @@
             <a:fld id="{4CDE23C7-78A4-413A-A84B-93D4CC0A9EB1}" type="datetimeFigureOut">
               <a:rPr lang="en-US" smtClean="0"/>
               <a:pPr/>
-              <a:t>3/26/2023</a:t>
+              <a:t>3/27/2023</a:t>
             </a:fld>
             <a:endParaRPr lang="en-US" dirty="0"/>
           </a:p>
@@ -3603,7 +3609,7 @@
           <a:p>
             <a:fld id="{4CDE23C7-78A4-413A-A84B-93D4CC0A9EB1}" type="datetimeFigureOut">
               <a:rPr lang="en-US" smtClean="0"/>
-              <a:t>3/26/2023</a:t>
+              <a:t>3/27/2023</a:t>
             </a:fld>
             <a:endParaRPr lang="en-US"/>
           </a:p>
@@ -3809,7 +3815,7 @@
             <a:fld id="{4CDE23C7-78A4-413A-A84B-93D4CC0A9EB1}" type="datetimeFigureOut">
               <a:rPr lang="en-US" smtClean="0"/>
               <a:pPr/>
-              <a:t>3/26/2023</a:t>
+              <a:t>3/27/2023</a:t>
             </a:fld>
             <a:endParaRPr lang="en-US" dirty="0"/>
           </a:p>
@@ -4090,7 +4096,7 @@
           <a:p>
             <a:fld id="{4CDE23C7-78A4-413A-A84B-93D4CC0A9EB1}" type="datetimeFigureOut">
               <a:rPr lang="en-US" smtClean="0"/>
-              <a:t>3/26/2023</a:t>
+              <a:t>3/27/2023</a:t>
             </a:fld>
             <a:endParaRPr lang="en-US"/>
           </a:p>
@@ -4358,7 +4364,7 @@
             <a:fld id="{4CDE23C7-78A4-413A-A84B-93D4CC0A9EB1}" type="datetimeFigureOut">
               <a:rPr lang="en-US" smtClean="0"/>
               <a:pPr/>
-              <a:t>3/26/2023</a:t>
+              <a:t>3/27/2023</a:t>
             </a:fld>
             <a:endParaRPr lang="en-US" dirty="0"/>
           </a:p>
@@ -4775,7 +4781,7 @@
             <a:fld id="{4CDE23C7-78A4-413A-A84B-93D4CC0A9EB1}" type="datetimeFigureOut">
               <a:rPr lang="en-US" smtClean="0"/>
               <a:pPr/>
-              <a:t>3/26/2023</a:t>
+              <a:t>3/27/2023</a:t>
             </a:fld>
             <a:endParaRPr lang="en-US" dirty="0"/>
           </a:p>
@@ -4924,7 +4930,7 @@
           <a:p>
             <a:fld id="{4CDE23C7-78A4-413A-A84B-93D4CC0A9EB1}" type="datetimeFigureOut">
               <a:rPr lang="en-US" smtClean="0"/>
-              <a:t>3/26/2023</a:t>
+              <a:t>3/27/2023</a:t>
             </a:fld>
             <a:endParaRPr lang="en-US"/>
           </a:p>
@@ -5049,7 +5055,7 @@
           <a:p>
             <a:fld id="{4CDE23C7-78A4-413A-A84B-93D4CC0A9EB1}" type="datetimeFigureOut">
               <a:rPr lang="en-US" smtClean="0"/>
-              <a:t>3/26/2023</a:t>
+              <a:t>3/27/2023</a:t>
             </a:fld>
             <a:endParaRPr lang="en-US"/>
           </a:p>
@@ -5329,7 +5335,7 @@
             <a:fld id="{4CDE23C7-78A4-413A-A84B-93D4CC0A9EB1}" type="datetimeFigureOut">
               <a:rPr lang="en-US" smtClean="0"/>
               <a:pPr/>
-              <a:t>3/26/2023</a:t>
+              <a:t>3/27/2023</a:t>
             </a:fld>
             <a:endParaRPr lang="en-US" dirty="0"/>
           </a:p>
@@ -5642,7 +5648,7 @@
           <a:p>
             <a:fld id="{4CDE23C7-78A4-413A-A84B-93D4CC0A9EB1}" type="datetimeFigureOut">
               <a:rPr lang="en-US" smtClean="0"/>
-              <a:t>3/26/2023</a:t>
+              <a:t>3/27/2023</a:t>
             </a:fld>
             <a:endParaRPr lang="en-US"/>
           </a:p>
@@ -5896,7 +5902,7 @@
             <a:fld id="{4CDE23C7-78A4-413A-A84B-93D4CC0A9EB1}" type="datetimeFigureOut">
               <a:rPr lang="en-US" smtClean="0"/>
               <a:pPr/>
-              <a:t>3/26/2023</a:t>
+              <a:t>3/27/2023</a:t>
             </a:fld>
             <a:endParaRPr lang="en-US" dirty="0"/>
           </a:p>
@@ -7677,6 +7683,105 @@
 </p:sld>
 </file>
 
+<file path=ppt/slides/slide15.xml><?xml version="1.0" encoding="utf-8"?>
+<p:sld xmlns:a="http://schemas.openxmlformats.org/drawingml/2006/main" xmlns:r="http://schemas.openxmlformats.org/officeDocument/2006/relationships" xmlns:p="http://schemas.openxmlformats.org/presentationml/2006/main">
+  <p:cSld>
+    <p:spTree>
+      <p:nvGrpSpPr>
+        <p:cNvPr id="1" name=""/>
+        <p:cNvGrpSpPr/>
+        <p:nvPr/>
+      </p:nvGrpSpPr>
+      <p:grpSpPr>
+        <a:xfrm>
+          <a:off x="0" y="0"/>
+          <a:ext cx="0" cy="0"/>
+          <a:chOff x="0" y="0"/>
+          <a:chExt cx="0" cy="0"/>
+        </a:xfrm>
+      </p:grpSpPr>
+      <p:sp>
+        <p:nvSpPr>
+          <p:cNvPr id="2" name="Title 1">
+            <a:extLst>
+              <a:ext uri="{FF2B5EF4-FFF2-40B4-BE49-F238E27FC236}">
+                <a16:creationId xmlns:a16="http://schemas.microsoft.com/office/drawing/2014/main" id="{07282649-51FE-A61E-0222-5FE666255C1D}"/>
+              </a:ext>
+            </a:extLst>
+          </p:cNvPr>
+          <p:cNvSpPr>
+            <a:spLocks noGrp="1"/>
+          </p:cNvSpPr>
+          <p:nvPr>
+            <p:ph type="title"/>
+          </p:nvPr>
+        </p:nvSpPr>
+        <p:spPr>
+          <a:xfrm>
+            <a:off x="913774" y="0"/>
+            <a:ext cx="10364451" cy="1596177"/>
+          </a:xfrm>
+        </p:spPr>
+        <p:txBody>
+          <a:bodyPr/>
+          <a:lstStyle/>
+          <a:p>
+            <a:r>
+              <a:rPr lang="en-US" dirty="0"/>
+              <a:t>Final Test and thoughts</a:t>
+            </a:r>
+          </a:p>
+        </p:txBody>
+      </p:sp>
+      <p:pic>
+        <p:nvPicPr>
+          <p:cNvPr id="6" name="Picture 5" descr="Graphical user interface&#10;&#10;Description automatically generated">
+            <a:extLst>
+              <a:ext uri="{FF2B5EF4-FFF2-40B4-BE49-F238E27FC236}">
+                <a16:creationId xmlns:a16="http://schemas.microsoft.com/office/drawing/2014/main" id="{D526D529-461C-D6F8-CAF9-1BAE4215AD7A}"/>
+              </a:ext>
+            </a:extLst>
+          </p:cNvPr>
+          <p:cNvPicPr>
+            <a:picLocks noChangeAspect="1"/>
+          </p:cNvPicPr>
+          <p:nvPr/>
+        </p:nvPicPr>
+        <p:blipFill>
+          <a:blip r:embed="rId2">
+            <a:extLst>
+              <a:ext uri="{28A0092B-C50C-407E-A947-70E740481C1C}">
+                <a14:useLocalDpi xmlns:a14="http://schemas.microsoft.com/office/drawing/2010/main" val="0"/>
+              </a:ext>
+            </a:extLst>
+          </a:blip>
+          <a:stretch>
+            <a:fillRect/>
+          </a:stretch>
+        </p:blipFill>
+        <p:spPr>
+          <a:xfrm>
+            <a:off x="1377706" y="1210172"/>
+            <a:ext cx="9436585" cy="5372376"/>
+          </a:xfrm>
+          <a:prstGeom prst="rect">
+            <a:avLst/>
+          </a:prstGeom>
+        </p:spPr>
+      </p:pic>
+    </p:spTree>
+    <p:extLst>
+      <p:ext uri="{BB962C8B-B14F-4D97-AF65-F5344CB8AC3E}">
+        <p14:creationId xmlns:p14="http://schemas.microsoft.com/office/powerpoint/2010/main" val="1796642718"/>
+      </p:ext>
+    </p:extLst>
+  </p:cSld>
+  <p:clrMapOvr>
+    <a:masterClrMapping/>
+  </p:clrMapOvr>
+</p:sld>
+</file>
+
 <file path=ppt/slides/slide2.xml><?xml version="1.0" encoding="utf-8"?>
 <p:sld xmlns:a="http://schemas.openxmlformats.org/drawingml/2006/main" xmlns:r="http://schemas.openxmlformats.org/officeDocument/2006/relationships" xmlns:p="http://schemas.openxmlformats.org/presentationml/2006/main">
   <p:cSld>
